--- a/Meilenstein 4/Präsentation/Präsentation MS4.pptx
+++ b/Meilenstein 4/Präsentation/Präsentation MS4.pptx
@@ -6148,6 +6148,36 @@
           </a:p>
         </p:txBody>
       </p:sp>
+      <p:pic>
+        <p:nvPicPr>
+          <p:cNvPr id="3" name="Grafik 2">
+            <a:extLst>
+              <a:ext uri="{FF2B5EF4-FFF2-40B4-BE49-F238E27FC236}">
+                <a16:creationId xmlns:a16="http://schemas.microsoft.com/office/drawing/2014/main" id="{99457460-EFC5-45A8-A5EB-788C84D52FAC}"/>
+              </a:ext>
+            </a:extLst>
+          </p:cNvPr>
+          <p:cNvPicPr>
+            <a:picLocks noChangeAspect="1"/>
+          </p:cNvPicPr>
+          <p:nvPr/>
+        </p:nvPicPr>
+        <p:blipFill>
+          <a:blip r:embed="rId2"/>
+          <a:stretch>
+            <a:fillRect/>
+          </a:stretch>
+        </p:blipFill>
+        <p:spPr>
+          <a:xfrm>
+            <a:off x="851797" y="1103271"/>
+            <a:ext cx="3520235" cy="3224179"/>
+          </a:xfrm>
+          <a:prstGeom prst="rect">
+            <a:avLst/>
+          </a:prstGeom>
+        </p:spPr>
+      </p:pic>
     </p:spTree>
     <p:extLst>
       <p:ext uri="{BB962C8B-B14F-4D97-AF65-F5344CB8AC3E}">
@@ -6851,6 +6881,156 @@
           </a:p>
         </p:txBody>
       </p:sp>
+      <p:pic>
+        <p:nvPicPr>
+          <p:cNvPr id="3" name="Grafik 2">
+            <a:extLst>
+              <a:ext uri="{FF2B5EF4-FFF2-40B4-BE49-F238E27FC236}">
+                <a16:creationId xmlns:a16="http://schemas.microsoft.com/office/drawing/2014/main" id="{711E7752-DD9F-4131-AB9E-D75F7218B623}"/>
+              </a:ext>
+            </a:extLst>
+          </p:cNvPr>
+          <p:cNvPicPr>
+            <a:picLocks noChangeAspect="1"/>
+          </p:cNvPicPr>
+          <p:nvPr/>
+        </p:nvPicPr>
+        <p:blipFill>
+          <a:blip r:embed="rId2"/>
+          <a:stretch>
+            <a:fillRect/>
+          </a:stretch>
+        </p:blipFill>
+        <p:spPr>
+          <a:xfrm>
+            <a:off x="6649602" y="3710764"/>
+            <a:ext cx="5303892" cy="3147236"/>
+          </a:xfrm>
+          <a:prstGeom prst="rect">
+            <a:avLst/>
+          </a:prstGeom>
+        </p:spPr>
+      </p:pic>
+      <p:pic>
+        <p:nvPicPr>
+          <p:cNvPr id="8" name="Grafik 7">
+            <a:extLst>
+              <a:ext uri="{FF2B5EF4-FFF2-40B4-BE49-F238E27FC236}">
+                <a16:creationId xmlns:a16="http://schemas.microsoft.com/office/drawing/2014/main" id="{7FD6640F-D30F-4378-9875-126C2CBD531E}"/>
+              </a:ext>
+            </a:extLst>
+          </p:cNvPr>
+          <p:cNvPicPr>
+            <a:picLocks noChangeAspect="1"/>
+          </p:cNvPicPr>
+          <p:nvPr/>
+        </p:nvPicPr>
+        <p:blipFill>
+          <a:blip r:embed="rId3"/>
+          <a:stretch>
+            <a:fillRect/>
+          </a:stretch>
+        </p:blipFill>
+        <p:spPr>
+          <a:xfrm>
+            <a:off x="1059126" y="922091"/>
+            <a:ext cx="2301575" cy="2506909"/>
+          </a:xfrm>
+          <a:prstGeom prst="rect">
+            <a:avLst/>
+          </a:prstGeom>
+        </p:spPr>
+      </p:pic>
+      <p:pic>
+        <p:nvPicPr>
+          <p:cNvPr id="10" name="Grafik 9">
+            <a:extLst>
+              <a:ext uri="{FF2B5EF4-FFF2-40B4-BE49-F238E27FC236}">
+                <a16:creationId xmlns:a16="http://schemas.microsoft.com/office/drawing/2014/main" id="{D225534A-F8E7-4F54-9481-900618A4492B}"/>
+              </a:ext>
+            </a:extLst>
+          </p:cNvPr>
+          <p:cNvPicPr>
+            <a:picLocks noChangeAspect="1"/>
+          </p:cNvPicPr>
+          <p:nvPr/>
+        </p:nvPicPr>
+        <p:blipFill>
+          <a:blip r:embed="rId4"/>
+          <a:stretch>
+            <a:fillRect/>
+          </a:stretch>
+        </p:blipFill>
+        <p:spPr>
+          <a:xfrm>
+            <a:off x="1059126" y="3613666"/>
+            <a:ext cx="2301575" cy="3065698"/>
+          </a:xfrm>
+          <a:prstGeom prst="rect">
+            <a:avLst/>
+          </a:prstGeom>
+        </p:spPr>
+      </p:pic>
+      <p:pic>
+        <p:nvPicPr>
+          <p:cNvPr id="12" name="Grafik 11">
+            <a:extLst>
+              <a:ext uri="{FF2B5EF4-FFF2-40B4-BE49-F238E27FC236}">
+                <a16:creationId xmlns:a16="http://schemas.microsoft.com/office/drawing/2014/main" id="{85DDA1FA-AAAE-4492-89C8-C8F2D035ED90}"/>
+              </a:ext>
+            </a:extLst>
+          </p:cNvPr>
+          <p:cNvPicPr>
+            <a:picLocks noChangeAspect="1"/>
+          </p:cNvPicPr>
+          <p:nvPr/>
+        </p:nvPicPr>
+        <p:blipFill>
+          <a:blip r:embed="rId5"/>
+          <a:stretch>
+            <a:fillRect/>
+          </a:stretch>
+        </p:blipFill>
+        <p:spPr>
+          <a:xfrm>
+            <a:off x="8743722" y="609027"/>
+            <a:ext cx="2330085" cy="2861707"/>
+          </a:xfrm>
+          <a:prstGeom prst="rect">
+            <a:avLst/>
+          </a:prstGeom>
+        </p:spPr>
+      </p:pic>
+      <p:pic>
+        <p:nvPicPr>
+          <p:cNvPr id="14" name="Grafik 13">
+            <a:extLst>
+              <a:ext uri="{FF2B5EF4-FFF2-40B4-BE49-F238E27FC236}">
+                <a16:creationId xmlns:a16="http://schemas.microsoft.com/office/drawing/2014/main" id="{7D557826-CE46-4D07-9619-5D5959599359}"/>
+              </a:ext>
+            </a:extLst>
+          </p:cNvPr>
+          <p:cNvPicPr>
+            <a:picLocks noChangeAspect="1"/>
+          </p:cNvPicPr>
+          <p:nvPr/>
+        </p:nvPicPr>
+        <p:blipFill>
+          <a:blip r:embed="rId6"/>
+          <a:stretch>
+            <a:fillRect/>
+          </a:stretch>
+        </p:blipFill>
+        <p:spPr>
+          <a:xfrm>
+            <a:off x="3705701" y="689460"/>
+            <a:ext cx="2780159" cy="2422560"/>
+          </a:xfrm>
+          <a:prstGeom prst="rect">
+            <a:avLst/>
+          </a:prstGeom>
+        </p:spPr>
+      </p:pic>
     </p:spTree>
     <p:extLst>
       <p:ext uri="{BB962C8B-B14F-4D97-AF65-F5344CB8AC3E}">
@@ -7052,6 +7232,36 @@
           </a:p>
         </p:txBody>
       </p:sp>
+      <p:pic>
+        <p:nvPicPr>
+          <p:cNvPr id="3" name="Grafik 2">
+            <a:extLst>
+              <a:ext uri="{FF2B5EF4-FFF2-40B4-BE49-F238E27FC236}">
+                <a16:creationId xmlns:a16="http://schemas.microsoft.com/office/drawing/2014/main" id="{CC08D077-2152-4498-9F4D-3F2BE0078C47}"/>
+              </a:ext>
+            </a:extLst>
+          </p:cNvPr>
+          <p:cNvPicPr>
+            <a:picLocks noChangeAspect="1"/>
+          </p:cNvPicPr>
+          <p:nvPr/>
+        </p:nvPicPr>
+        <p:blipFill>
+          <a:blip r:embed="rId2"/>
+          <a:stretch>
+            <a:fillRect/>
+          </a:stretch>
+        </p:blipFill>
+        <p:spPr>
+          <a:xfrm>
+            <a:off x="7237428" y="2087924"/>
+            <a:ext cx="4780915" cy="4071537"/>
+          </a:xfrm>
+          <a:prstGeom prst="rect">
+            <a:avLst/>
+          </a:prstGeom>
+        </p:spPr>
+      </p:pic>
     </p:spTree>
     <p:extLst>
       <p:ext uri="{BB962C8B-B14F-4D97-AF65-F5344CB8AC3E}">
